--- a/e-commerce1.pptx
+++ b/e-commerce1.pptx
@@ -166,10 +166,9 @@
           </a:lstStyle>
           <a:p>
             <a:r>
-              <a:rPr lang="de-DE" smtClean="0"/>
+              <a:rPr lang="de-DE"/>
               <a:t>Titelmasterformat durch Klicken bearbeiten</a:t>
             </a:r>
-            <a:endParaRPr lang="de-DE"/>
           </a:p>
         </p:txBody>
       </p:sp>
@@ -231,10 +230,9 @@
           </a:lstStyle>
           <a:p>
             <a:r>
-              <a:rPr lang="de-DE" smtClean="0"/>
+              <a:rPr lang="de-DE"/>
               <a:t>Formatvorlage des Untertitelmasters durch Klicken bearbeiten</a:t>
             </a:r>
-            <a:endParaRPr lang="de-DE"/>
           </a:p>
         </p:txBody>
       </p:sp>
@@ -255,7 +253,7 @@
           <a:p>
             <a:fld id="{EA1F6360-F9BA-4B5E-92FD-B9DEF129A86B}" type="datetimeFigureOut">
               <a:rPr lang="de-DE" smtClean="0"/>
-              <a:t>13.05.2019</a:t>
+              <a:t>19.05.2019</a:t>
             </a:fld>
             <a:endParaRPr lang="de-DE"/>
           </a:p>
@@ -349,10 +347,9 @@
           <a:lstStyle/>
           <a:p>
             <a:r>
-              <a:rPr lang="de-DE" smtClean="0"/>
+              <a:rPr lang="de-DE"/>
               <a:t>Titelmasterformat durch Klicken bearbeiten</a:t>
             </a:r>
-            <a:endParaRPr lang="de-DE"/>
           </a:p>
         </p:txBody>
       </p:sp>
@@ -373,38 +370,37 @@
           <a:p>
             <a:pPr lvl="0"/>
             <a:r>
-              <a:rPr lang="de-DE" smtClean="0"/>
+              <a:rPr lang="de-DE"/>
               <a:t>Formatvorlagen des Textmasters bearbeiten</a:t>
             </a:r>
           </a:p>
           <a:p>
             <a:pPr lvl="1"/>
             <a:r>
-              <a:rPr lang="de-DE" smtClean="0"/>
+              <a:rPr lang="de-DE"/>
               <a:t>Zweite Ebene</a:t>
             </a:r>
           </a:p>
           <a:p>
             <a:pPr lvl="2"/>
             <a:r>
-              <a:rPr lang="de-DE" smtClean="0"/>
+              <a:rPr lang="de-DE"/>
               <a:t>Dritte Ebene</a:t>
             </a:r>
           </a:p>
           <a:p>
             <a:pPr lvl="3"/>
             <a:r>
-              <a:rPr lang="de-DE" smtClean="0"/>
+              <a:rPr lang="de-DE"/>
               <a:t>Vierte Ebene</a:t>
             </a:r>
           </a:p>
           <a:p>
             <a:pPr lvl="4"/>
             <a:r>
-              <a:rPr lang="de-DE" smtClean="0"/>
+              <a:rPr lang="de-DE"/>
               <a:t>Fünfte Ebene</a:t>
             </a:r>
-            <a:endParaRPr lang="de-DE"/>
           </a:p>
         </p:txBody>
       </p:sp>
@@ -425,7 +421,7 @@
           <a:p>
             <a:fld id="{EA1F6360-F9BA-4B5E-92FD-B9DEF129A86B}" type="datetimeFigureOut">
               <a:rPr lang="de-DE" smtClean="0"/>
-              <a:t>13.05.2019</a:t>
+              <a:t>19.05.2019</a:t>
             </a:fld>
             <a:endParaRPr lang="de-DE"/>
           </a:p>
@@ -524,10 +520,9 @@
           <a:lstStyle/>
           <a:p>
             <a:r>
-              <a:rPr lang="de-DE" smtClean="0"/>
+              <a:rPr lang="de-DE"/>
               <a:t>Titelmasterformat durch Klicken bearbeiten</a:t>
             </a:r>
-            <a:endParaRPr lang="de-DE"/>
           </a:p>
         </p:txBody>
       </p:sp>
@@ -553,38 +548,37 @@
           <a:p>
             <a:pPr lvl="0"/>
             <a:r>
-              <a:rPr lang="de-DE" smtClean="0"/>
+              <a:rPr lang="de-DE"/>
               <a:t>Formatvorlagen des Textmasters bearbeiten</a:t>
             </a:r>
           </a:p>
           <a:p>
             <a:pPr lvl="1"/>
             <a:r>
-              <a:rPr lang="de-DE" smtClean="0"/>
+              <a:rPr lang="de-DE"/>
               <a:t>Zweite Ebene</a:t>
             </a:r>
           </a:p>
           <a:p>
             <a:pPr lvl="2"/>
             <a:r>
-              <a:rPr lang="de-DE" smtClean="0"/>
+              <a:rPr lang="de-DE"/>
               <a:t>Dritte Ebene</a:t>
             </a:r>
           </a:p>
           <a:p>
             <a:pPr lvl="3"/>
             <a:r>
-              <a:rPr lang="de-DE" smtClean="0"/>
+              <a:rPr lang="de-DE"/>
               <a:t>Vierte Ebene</a:t>
             </a:r>
           </a:p>
           <a:p>
             <a:pPr lvl="4"/>
             <a:r>
-              <a:rPr lang="de-DE" smtClean="0"/>
+              <a:rPr lang="de-DE"/>
               <a:t>Fünfte Ebene</a:t>
             </a:r>
-            <a:endParaRPr lang="de-DE"/>
           </a:p>
         </p:txBody>
       </p:sp>
@@ -605,7 +599,7 @@
           <a:p>
             <a:fld id="{EA1F6360-F9BA-4B5E-92FD-B9DEF129A86B}" type="datetimeFigureOut">
               <a:rPr lang="de-DE" smtClean="0"/>
-              <a:t>13.05.2019</a:t>
+              <a:t>19.05.2019</a:t>
             </a:fld>
             <a:endParaRPr lang="de-DE"/>
           </a:p>
@@ -699,10 +693,9 @@
           <a:lstStyle/>
           <a:p>
             <a:r>
-              <a:rPr lang="de-DE" smtClean="0"/>
+              <a:rPr lang="de-DE"/>
               <a:t>Titelmasterformat durch Klicken bearbeiten</a:t>
             </a:r>
-            <a:endParaRPr lang="de-DE"/>
           </a:p>
         </p:txBody>
       </p:sp>
@@ -723,38 +716,37 @@
           <a:p>
             <a:pPr lvl="0"/>
             <a:r>
-              <a:rPr lang="de-DE" smtClean="0"/>
+              <a:rPr lang="de-DE"/>
               <a:t>Formatvorlagen des Textmasters bearbeiten</a:t>
             </a:r>
           </a:p>
           <a:p>
             <a:pPr lvl="1"/>
             <a:r>
-              <a:rPr lang="de-DE" smtClean="0"/>
+              <a:rPr lang="de-DE"/>
               <a:t>Zweite Ebene</a:t>
             </a:r>
           </a:p>
           <a:p>
             <a:pPr lvl="2"/>
             <a:r>
-              <a:rPr lang="de-DE" smtClean="0"/>
+              <a:rPr lang="de-DE"/>
               <a:t>Dritte Ebene</a:t>
             </a:r>
           </a:p>
           <a:p>
             <a:pPr lvl="3"/>
             <a:r>
-              <a:rPr lang="de-DE" smtClean="0"/>
+              <a:rPr lang="de-DE"/>
               <a:t>Vierte Ebene</a:t>
             </a:r>
           </a:p>
           <a:p>
             <a:pPr lvl="4"/>
             <a:r>
-              <a:rPr lang="de-DE" smtClean="0"/>
+              <a:rPr lang="de-DE"/>
               <a:t>Fünfte Ebene</a:t>
             </a:r>
-            <a:endParaRPr lang="de-DE"/>
           </a:p>
         </p:txBody>
       </p:sp>
@@ -775,7 +767,7 @@
           <a:p>
             <a:fld id="{EA1F6360-F9BA-4B5E-92FD-B9DEF129A86B}" type="datetimeFigureOut">
               <a:rPr lang="de-DE" smtClean="0"/>
-              <a:t>13.05.2019</a:t>
+              <a:t>19.05.2019</a:t>
             </a:fld>
             <a:endParaRPr lang="de-DE"/>
           </a:p>
@@ -878,10 +870,9 @@
           </a:lstStyle>
           <a:p>
             <a:r>
-              <a:rPr lang="de-DE" smtClean="0"/>
+              <a:rPr lang="de-DE"/>
               <a:t>Titelmasterformat durch Klicken bearbeiten</a:t>
             </a:r>
-            <a:endParaRPr lang="de-DE"/>
           </a:p>
         </p:txBody>
       </p:sp>
@@ -998,7 +989,7 @@
           <a:p>
             <a:pPr lvl="0"/>
             <a:r>
-              <a:rPr lang="de-DE" smtClean="0"/>
+              <a:rPr lang="de-DE"/>
               <a:t>Formatvorlagen des Textmasters bearbeiten</a:t>
             </a:r>
           </a:p>
@@ -1021,7 +1012,7 @@
           <a:p>
             <a:fld id="{EA1F6360-F9BA-4B5E-92FD-B9DEF129A86B}" type="datetimeFigureOut">
               <a:rPr lang="de-DE" smtClean="0"/>
-              <a:t>13.05.2019</a:t>
+              <a:t>19.05.2019</a:t>
             </a:fld>
             <a:endParaRPr lang="de-DE"/>
           </a:p>
@@ -1115,10 +1106,9 @@
           <a:lstStyle/>
           <a:p>
             <a:r>
-              <a:rPr lang="de-DE" smtClean="0"/>
+              <a:rPr lang="de-DE"/>
               <a:t>Titelmasterformat durch Klicken bearbeiten</a:t>
             </a:r>
-            <a:endParaRPr lang="de-DE"/>
           </a:p>
         </p:txBody>
       </p:sp>
@@ -1144,38 +1134,37 @@
           <a:p>
             <a:pPr lvl="0"/>
             <a:r>
-              <a:rPr lang="de-DE" smtClean="0"/>
+              <a:rPr lang="de-DE"/>
               <a:t>Formatvorlagen des Textmasters bearbeiten</a:t>
             </a:r>
           </a:p>
           <a:p>
             <a:pPr lvl="1"/>
             <a:r>
-              <a:rPr lang="de-DE" smtClean="0"/>
+              <a:rPr lang="de-DE"/>
               <a:t>Zweite Ebene</a:t>
             </a:r>
           </a:p>
           <a:p>
             <a:pPr lvl="2"/>
             <a:r>
-              <a:rPr lang="de-DE" smtClean="0"/>
+              <a:rPr lang="de-DE"/>
               <a:t>Dritte Ebene</a:t>
             </a:r>
           </a:p>
           <a:p>
             <a:pPr lvl="3"/>
             <a:r>
-              <a:rPr lang="de-DE" smtClean="0"/>
+              <a:rPr lang="de-DE"/>
               <a:t>Vierte Ebene</a:t>
             </a:r>
           </a:p>
           <a:p>
             <a:pPr lvl="4"/>
             <a:r>
-              <a:rPr lang="de-DE" smtClean="0"/>
+              <a:rPr lang="de-DE"/>
               <a:t>Fünfte Ebene</a:t>
             </a:r>
-            <a:endParaRPr lang="de-DE"/>
           </a:p>
         </p:txBody>
       </p:sp>
@@ -1201,38 +1190,37 @@
           <a:p>
             <a:pPr lvl="0"/>
             <a:r>
-              <a:rPr lang="de-DE" smtClean="0"/>
+              <a:rPr lang="de-DE"/>
               <a:t>Formatvorlagen des Textmasters bearbeiten</a:t>
             </a:r>
           </a:p>
           <a:p>
             <a:pPr lvl="1"/>
             <a:r>
-              <a:rPr lang="de-DE" smtClean="0"/>
+              <a:rPr lang="de-DE"/>
               <a:t>Zweite Ebene</a:t>
             </a:r>
           </a:p>
           <a:p>
             <a:pPr lvl="2"/>
             <a:r>
-              <a:rPr lang="de-DE" smtClean="0"/>
+              <a:rPr lang="de-DE"/>
               <a:t>Dritte Ebene</a:t>
             </a:r>
           </a:p>
           <a:p>
             <a:pPr lvl="3"/>
             <a:r>
-              <a:rPr lang="de-DE" smtClean="0"/>
+              <a:rPr lang="de-DE"/>
               <a:t>Vierte Ebene</a:t>
             </a:r>
           </a:p>
           <a:p>
             <a:pPr lvl="4"/>
             <a:r>
-              <a:rPr lang="de-DE" smtClean="0"/>
+              <a:rPr lang="de-DE"/>
               <a:t>Fünfte Ebene</a:t>
             </a:r>
-            <a:endParaRPr lang="de-DE"/>
           </a:p>
         </p:txBody>
       </p:sp>
@@ -1253,7 +1241,7 @@
           <a:p>
             <a:fld id="{EA1F6360-F9BA-4B5E-92FD-B9DEF129A86B}" type="datetimeFigureOut">
               <a:rPr lang="de-DE" smtClean="0"/>
-              <a:t>13.05.2019</a:t>
+              <a:t>19.05.2019</a:t>
             </a:fld>
             <a:endParaRPr lang="de-DE"/>
           </a:p>
@@ -1352,10 +1340,9 @@
           <a:lstStyle/>
           <a:p>
             <a:r>
-              <a:rPr lang="de-DE" smtClean="0"/>
+              <a:rPr lang="de-DE"/>
               <a:t>Titelmasterformat durch Klicken bearbeiten</a:t>
             </a:r>
-            <a:endParaRPr lang="de-DE"/>
           </a:p>
         </p:txBody>
       </p:sp>
@@ -1418,7 +1405,7 @@
           <a:p>
             <a:pPr lvl="0"/>
             <a:r>
-              <a:rPr lang="de-DE" smtClean="0"/>
+              <a:rPr lang="de-DE"/>
               <a:t>Formatvorlagen des Textmasters bearbeiten</a:t>
             </a:r>
           </a:p>
@@ -1446,38 +1433,37 @@
           <a:p>
             <a:pPr lvl="0"/>
             <a:r>
-              <a:rPr lang="de-DE" smtClean="0"/>
+              <a:rPr lang="de-DE"/>
               <a:t>Formatvorlagen des Textmasters bearbeiten</a:t>
             </a:r>
           </a:p>
           <a:p>
             <a:pPr lvl="1"/>
             <a:r>
-              <a:rPr lang="de-DE" smtClean="0"/>
+              <a:rPr lang="de-DE"/>
               <a:t>Zweite Ebene</a:t>
             </a:r>
           </a:p>
           <a:p>
             <a:pPr lvl="2"/>
             <a:r>
-              <a:rPr lang="de-DE" smtClean="0"/>
+              <a:rPr lang="de-DE"/>
               <a:t>Dritte Ebene</a:t>
             </a:r>
           </a:p>
           <a:p>
             <a:pPr lvl="3"/>
             <a:r>
-              <a:rPr lang="de-DE" smtClean="0"/>
+              <a:rPr lang="de-DE"/>
               <a:t>Vierte Ebene</a:t>
             </a:r>
           </a:p>
           <a:p>
             <a:pPr lvl="4"/>
             <a:r>
-              <a:rPr lang="de-DE" smtClean="0"/>
+              <a:rPr lang="de-DE"/>
               <a:t>Fünfte Ebene</a:t>
             </a:r>
-            <a:endParaRPr lang="de-DE"/>
           </a:p>
         </p:txBody>
       </p:sp>
@@ -1540,7 +1526,7 @@
           <a:p>
             <a:pPr lvl="0"/>
             <a:r>
-              <a:rPr lang="de-DE" smtClean="0"/>
+              <a:rPr lang="de-DE"/>
               <a:t>Formatvorlagen des Textmasters bearbeiten</a:t>
             </a:r>
           </a:p>
@@ -1568,38 +1554,37 @@
           <a:p>
             <a:pPr lvl="0"/>
             <a:r>
-              <a:rPr lang="de-DE" smtClean="0"/>
+              <a:rPr lang="de-DE"/>
               <a:t>Formatvorlagen des Textmasters bearbeiten</a:t>
             </a:r>
           </a:p>
           <a:p>
             <a:pPr lvl="1"/>
             <a:r>
-              <a:rPr lang="de-DE" smtClean="0"/>
+              <a:rPr lang="de-DE"/>
               <a:t>Zweite Ebene</a:t>
             </a:r>
           </a:p>
           <a:p>
             <a:pPr lvl="2"/>
             <a:r>
-              <a:rPr lang="de-DE" smtClean="0"/>
+              <a:rPr lang="de-DE"/>
               <a:t>Dritte Ebene</a:t>
             </a:r>
           </a:p>
           <a:p>
             <a:pPr lvl="3"/>
             <a:r>
-              <a:rPr lang="de-DE" smtClean="0"/>
+              <a:rPr lang="de-DE"/>
               <a:t>Vierte Ebene</a:t>
             </a:r>
           </a:p>
           <a:p>
             <a:pPr lvl="4"/>
             <a:r>
-              <a:rPr lang="de-DE" smtClean="0"/>
+              <a:rPr lang="de-DE"/>
               <a:t>Fünfte Ebene</a:t>
             </a:r>
-            <a:endParaRPr lang="de-DE"/>
           </a:p>
         </p:txBody>
       </p:sp>
@@ -1620,7 +1605,7 @@
           <a:p>
             <a:fld id="{EA1F6360-F9BA-4B5E-92FD-B9DEF129A86B}" type="datetimeFigureOut">
               <a:rPr lang="de-DE" smtClean="0"/>
-              <a:t>13.05.2019</a:t>
+              <a:t>19.05.2019</a:t>
             </a:fld>
             <a:endParaRPr lang="de-DE"/>
           </a:p>
@@ -1714,10 +1699,9 @@
           <a:lstStyle/>
           <a:p>
             <a:r>
-              <a:rPr lang="de-DE" smtClean="0"/>
+              <a:rPr lang="de-DE"/>
               <a:t>Titelmasterformat durch Klicken bearbeiten</a:t>
             </a:r>
-            <a:endParaRPr lang="de-DE"/>
           </a:p>
         </p:txBody>
       </p:sp>
@@ -1738,7 +1722,7 @@
           <a:p>
             <a:fld id="{EA1F6360-F9BA-4B5E-92FD-B9DEF129A86B}" type="datetimeFigureOut">
               <a:rPr lang="de-DE" smtClean="0"/>
-              <a:t>13.05.2019</a:t>
+              <a:t>19.05.2019</a:t>
             </a:fld>
             <a:endParaRPr lang="de-DE"/>
           </a:p>
@@ -1833,7 +1817,7 @@
           <a:p>
             <a:fld id="{EA1F6360-F9BA-4B5E-92FD-B9DEF129A86B}" type="datetimeFigureOut">
               <a:rPr lang="de-DE" smtClean="0"/>
-              <a:t>13.05.2019</a:t>
+              <a:t>19.05.2019</a:t>
             </a:fld>
             <a:endParaRPr lang="de-DE"/>
           </a:p>
@@ -1936,10 +1920,9 @@
           </a:lstStyle>
           <a:p>
             <a:r>
-              <a:rPr lang="de-DE" smtClean="0"/>
+              <a:rPr lang="de-DE"/>
               <a:t>Titelmasterformat durch Klicken bearbeiten</a:t>
             </a:r>
-            <a:endParaRPr lang="de-DE"/>
           </a:p>
         </p:txBody>
       </p:sp>
@@ -1993,38 +1976,37 @@
           <a:p>
             <a:pPr lvl="0"/>
             <a:r>
-              <a:rPr lang="de-DE" smtClean="0"/>
+              <a:rPr lang="de-DE"/>
               <a:t>Formatvorlagen des Textmasters bearbeiten</a:t>
             </a:r>
           </a:p>
           <a:p>
             <a:pPr lvl="1"/>
             <a:r>
-              <a:rPr lang="de-DE" smtClean="0"/>
+              <a:rPr lang="de-DE"/>
               <a:t>Zweite Ebene</a:t>
             </a:r>
           </a:p>
           <a:p>
             <a:pPr lvl="2"/>
             <a:r>
-              <a:rPr lang="de-DE" smtClean="0"/>
+              <a:rPr lang="de-DE"/>
               <a:t>Dritte Ebene</a:t>
             </a:r>
           </a:p>
           <a:p>
             <a:pPr lvl="3"/>
             <a:r>
-              <a:rPr lang="de-DE" smtClean="0"/>
+              <a:rPr lang="de-DE"/>
               <a:t>Vierte Ebene</a:t>
             </a:r>
           </a:p>
           <a:p>
             <a:pPr lvl="4"/>
             <a:r>
-              <a:rPr lang="de-DE" smtClean="0"/>
+              <a:rPr lang="de-DE"/>
               <a:t>Fünfte Ebene</a:t>
             </a:r>
-            <a:endParaRPr lang="de-DE"/>
           </a:p>
         </p:txBody>
       </p:sp>
@@ -2087,7 +2069,7 @@
           <a:p>
             <a:pPr lvl="0"/>
             <a:r>
-              <a:rPr lang="de-DE" smtClean="0"/>
+              <a:rPr lang="de-DE"/>
               <a:t>Formatvorlagen des Textmasters bearbeiten</a:t>
             </a:r>
           </a:p>
@@ -2110,7 +2092,7 @@
           <a:p>
             <a:fld id="{EA1F6360-F9BA-4B5E-92FD-B9DEF129A86B}" type="datetimeFigureOut">
               <a:rPr lang="de-DE" smtClean="0"/>
-              <a:t>13.05.2019</a:t>
+              <a:t>19.05.2019</a:t>
             </a:fld>
             <a:endParaRPr lang="de-DE"/>
           </a:p>
@@ -2213,10 +2195,9 @@
           </a:lstStyle>
           <a:p>
             <a:r>
-              <a:rPr lang="de-DE" smtClean="0"/>
+              <a:rPr lang="de-DE"/>
               <a:t>Titelmasterformat durch Klicken bearbeiten</a:t>
             </a:r>
-            <a:endParaRPr lang="de-DE"/>
           </a:p>
         </p:txBody>
       </p:sp>
@@ -2340,7 +2321,7 @@
           <a:p>
             <a:pPr lvl="0"/>
             <a:r>
-              <a:rPr lang="de-DE" smtClean="0"/>
+              <a:rPr lang="de-DE"/>
               <a:t>Formatvorlagen des Textmasters bearbeiten</a:t>
             </a:r>
           </a:p>
@@ -2363,7 +2344,7 @@
           <a:p>
             <a:fld id="{EA1F6360-F9BA-4B5E-92FD-B9DEF129A86B}" type="datetimeFigureOut">
               <a:rPr lang="de-DE" smtClean="0"/>
-              <a:t>13.05.2019</a:t>
+              <a:t>19.05.2019</a:t>
             </a:fld>
             <a:endParaRPr lang="de-DE"/>
           </a:p>
@@ -2472,10 +2453,9 @@
           <a:lstStyle/>
           <a:p>
             <a:r>
-              <a:rPr lang="de-DE" smtClean="0"/>
+              <a:rPr lang="de-DE"/>
               <a:t>Titelmasterformat durch Klicken bearbeiten</a:t>
             </a:r>
-            <a:endParaRPr lang="de-DE"/>
           </a:p>
         </p:txBody>
       </p:sp>
@@ -2506,38 +2486,37 @@
           <a:p>
             <a:pPr lvl="0"/>
             <a:r>
-              <a:rPr lang="de-DE" smtClean="0"/>
+              <a:rPr lang="de-DE"/>
               <a:t>Formatvorlagen des Textmasters bearbeiten</a:t>
             </a:r>
           </a:p>
           <a:p>
             <a:pPr lvl="1"/>
             <a:r>
-              <a:rPr lang="de-DE" smtClean="0"/>
+              <a:rPr lang="de-DE"/>
               <a:t>Zweite Ebene</a:t>
             </a:r>
           </a:p>
           <a:p>
             <a:pPr lvl="2"/>
             <a:r>
-              <a:rPr lang="de-DE" smtClean="0"/>
+              <a:rPr lang="de-DE"/>
               <a:t>Dritte Ebene</a:t>
             </a:r>
           </a:p>
           <a:p>
             <a:pPr lvl="3"/>
             <a:r>
-              <a:rPr lang="de-DE" smtClean="0"/>
+              <a:rPr lang="de-DE"/>
               <a:t>Vierte Ebene</a:t>
             </a:r>
           </a:p>
           <a:p>
             <a:pPr lvl="4"/>
             <a:r>
-              <a:rPr lang="de-DE" smtClean="0"/>
+              <a:rPr lang="de-DE"/>
               <a:t>Fünfte Ebene</a:t>
             </a:r>
-            <a:endParaRPr lang="de-DE"/>
           </a:p>
         </p:txBody>
       </p:sp>
@@ -2576,7 +2555,7 @@
           <a:p>
             <a:fld id="{EA1F6360-F9BA-4B5E-92FD-B9DEF129A86B}" type="datetimeFigureOut">
               <a:rPr lang="de-DE" smtClean="0"/>
-              <a:t>13.05.2019</a:t>
+              <a:t>19.05.2019</a:t>
             </a:fld>
             <a:endParaRPr lang="de-DE"/>
           </a:p>
@@ -2967,6 +2946,14 @@
 <file path=ppt/slides/slide1.xml><?xml version="1.0" encoding="utf-8"?>
 <p:sld xmlns:a="http://schemas.openxmlformats.org/drawingml/2006/main" xmlns:r="http://schemas.openxmlformats.org/officeDocument/2006/relationships" xmlns:p="http://schemas.openxmlformats.org/presentationml/2006/main">
   <p:cSld>
+    <p:bg>
+      <p:bgPr>
+        <a:solidFill>
+          <a:schemeClr val="bg1"/>
+        </a:solidFill>
+        <a:effectLst/>
+      </p:bgPr>
+    </p:bg>
     <p:spTree>
       <p:nvGrpSpPr>
         <p:cNvPr id="1" name=""/>
@@ -2997,21 +2984,16 @@
           <a:lstStyle/>
           <a:p>
             <a:r>
-              <a:rPr lang="de-DE" b="1" dirty="0" smtClean="0"/>
+              <a:rPr lang="de-DE" b="1" dirty="0"/>
               <a:t>E-Commerce</a:t>
             </a:r>
-            <a:r>
-              <a:rPr lang="de-DE" dirty="0" smtClean="0"/>
-              <a:t/>
-            </a:r>
             <a:br>
-              <a:rPr lang="de-DE" dirty="0" smtClean="0"/>
+              <a:rPr lang="de-DE" dirty="0"/>
             </a:br>
             <a:r>
-              <a:rPr lang="de-DE" sz="4000" dirty="0" smtClean="0"/>
+              <a:rPr lang="de-DE" sz="4000" dirty="0"/>
               <a:t>Elektronischer Handel</a:t>
             </a:r>
-            <a:endParaRPr lang="de-DE" sz="4000" dirty="0"/>
           </a:p>
         </p:txBody>
       </p:sp>
@@ -3030,7 +3012,10 @@
           <a:bodyPr/>
           <a:lstStyle/>
           <a:p>
-            <a:endParaRPr lang="de-DE" dirty="0"/>
+            <a:r>
+              <a:rPr lang="de-DE" dirty="0"/>
+              <a:t>Von: Christoph, Benedikt, Lukas</a:t>
+            </a:r>
           </a:p>
         </p:txBody>
       </p:sp>
@@ -3050,6 +3035,14 @@
 <file path=ppt/slides/slide10.xml><?xml version="1.0" encoding="utf-8"?>
 <p:sld xmlns:a="http://schemas.openxmlformats.org/drawingml/2006/main" xmlns:r="http://schemas.openxmlformats.org/officeDocument/2006/relationships" xmlns:p="http://schemas.openxmlformats.org/presentationml/2006/main">
   <p:cSld>
+    <p:bg>
+      <p:bgPr>
+        <a:solidFill>
+          <a:schemeClr val="bg1"/>
+        </a:solidFill>
+        <a:effectLst/>
+      </p:bgPr>
+    </p:bg>
     <p:spTree>
       <p:nvGrpSpPr>
         <p:cNvPr id="1" name=""/>
@@ -3080,155 +3073,87 @@
           <a:lstStyle/>
           <a:p>
             <a:r>
-              <a:rPr lang="de-DE" dirty="0" err="1" smtClean="0"/>
-              <a:t>Wiederrufsrecht</a:t>
-            </a:r>
+              <a:rPr lang="de-DE" dirty="0">
+                <a:latin typeface="+mn-lt"/>
+              </a:rPr>
+              <a:t>Widerrufsrecht</a:t>
+            </a:r>
+          </a:p>
+        </p:txBody>
+      </p:sp>
+      <p:sp>
+        <p:nvSpPr>
+          <p:cNvPr id="3" name="Inhaltsplatzhalter 2"/>
+          <p:cNvSpPr>
+            <a:spLocks noGrp="1"/>
+          </p:cNvSpPr>
+          <p:nvPr>
+            <p:ph idx="1"/>
+          </p:nvPr>
+        </p:nvSpPr>
+        <p:spPr>
+          <a:xfrm>
+            <a:off x="838200" y="1825625"/>
+            <a:ext cx="10515600" cy="4375150"/>
+          </a:xfrm>
+        </p:spPr>
+        <p:txBody>
+          <a:bodyPr>
+            <a:normAutofit fontScale="70000" lnSpcReduction="20000"/>
+          </a:bodyPr>
+          <a:lstStyle/>
+          <a:p>
+            <a:r>
+              <a:rPr lang="de-DE" sz="3600" dirty="0"/>
+              <a:t>Verbraucher muss über das Bestehen oder Nichtbestehen, sowie über die Bedingungen, Fristen und Verfahren informiert werden</a:t>
+            </a:r>
+          </a:p>
+          <a:p>
+            <a:r>
+              <a:rPr lang="de-DE" sz="3600" dirty="0"/>
+              <a:t>Gemäß § 312g BGB hat der Verbraucher bei Fernabsatzverträgen ein Widerrufsrecht </a:t>
+            </a:r>
+          </a:p>
+          <a:p>
+            <a:r>
+              <a:rPr lang="de-DE" sz="3600" dirty="0"/>
+              <a:t>kommentarlose Rücksendung der Ware reicht hierfür nicht mehr aus</a:t>
+            </a:r>
+          </a:p>
+          <a:p>
+            <a:r>
+              <a:rPr lang="de-DE" sz="3600" dirty="0"/>
+              <a:t>Innerhalb einer Frist von 14 Tagen kann der Verbraucher den Vertrag ohne Angabe von Gründen widerrufen</a:t>
+            </a:r>
+          </a:p>
+          <a:p>
+            <a:r>
+              <a:rPr lang="de-DE" sz="3600" dirty="0"/>
+              <a:t>Parteien sind verpflichtet empfangenen Leistungen unverzüglich zurück zu </a:t>
+            </a:r>
+            <a:r>
+              <a:rPr lang="de-DE" sz="3600" dirty="0" err="1"/>
+              <a:t>gewehren</a:t>
+            </a:r>
+            <a:endParaRPr lang="de-DE" sz="3600" dirty="0"/>
+          </a:p>
+          <a:p>
             <a:endParaRPr lang="de-DE" dirty="0"/>
           </a:p>
-        </p:txBody>
-      </p:sp>
-      <p:sp>
-        <p:nvSpPr>
-          <p:cNvPr id="3" name="Inhaltsplatzhalter 2"/>
-          <p:cNvSpPr>
-            <a:spLocks noGrp="1"/>
-          </p:cNvSpPr>
-          <p:nvPr>
-            <p:ph idx="1"/>
-          </p:nvPr>
-        </p:nvSpPr>
-        <p:spPr/>
-        <p:txBody>
-          <a:bodyPr>
-            <a:normAutofit fontScale="55000" lnSpcReduction="20000"/>
-          </a:bodyPr>
-          <a:lstStyle/>
-          <a:p>
-            <a:r>
-              <a:rPr lang="de-DE" sz="4600" dirty="0" smtClean="0"/>
-              <a:t>Verbraucher muss </a:t>
-            </a:r>
-            <a:r>
-              <a:rPr lang="de-DE" sz="4600" dirty="0"/>
-              <a:t>über das Bestehen </a:t>
-            </a:r>
-            <a:r>
-              <a:rPr lang="de-DE" sz="4600" dirty="0" smtClean="0"/>
-              <a:t>oder Nichtbestehen,</a:t>
-            </a:r>
-            <a:r>
-              <a:rPr lang="de-DE" sz="4600" dirty="0"/>
-              <a:t> sowie über die Bedingungen, Fristen und </a:t>
-            </a:r>
-            <a:r>
-              <a:rPr lang="de-DE" sz="4600" dirty="0" smtClean="0"/>
-              <a:t>Verfahren informiert werden</a:t>
-            </a:r>
-          </a:p>
-          <a:p>
-            <a:r>
-              <a:rPr lang="de-DE" sz="4600" dirty="0"/>
-              <a:t>Gemäß § 312g BGB hat der Verbraucher bei </a:t>
-            </a:r>
-            <a:r>
-              <a:rPr lang="de-DE" sz="4600" dirty="0" smtClean="0"/>
-              <a:t>Fernabsatzverträgen </a:t>
-            </a:r>
-            <a:r>
-              <a:rPr lang="de-DE" sz="4600" dirty="0"/>
-              <a:t>ein Widerrufsrecht </a:t>
-            </a:r>
-            <a:endParaRPr lang="de-DE" sz="4600" dirty="0" smtClean="0"/>
-          </a:p>
-          <a:p>
-            <a:r>
-              <a:rPr lang="de-DE" sz="4600" dirty="0"/>
-              <a:t>kommentarlose </a:t>
-            </a:r>
-            <a:r>
-              <a:rPr lang="de-DE" sz="4600" dirty="0" smtClean="0"/>
-              <a:t>Rücksendung </a:t>
-            </a:r>
-            <a:r>
-              <a:rPr lang="de-DE" sz="4600" dirty="0"/>
-              <a:t>der Ware </a:t>
-            </a:r>
-            <a:r>
-              <a:rPr lang="de-DE" sz="4600" dirty="0" smtClean="0"/>
-              <a:t>reicht </a:t>
-            </a:r>
-            <a:r>
-              <a:rPr lang="de-DE" sz="4600" dirty="0"/>
-              <a:t>hierfür nicht mehr </a:t>
-            </a:r>
-            <a:r>
-              <a:rPr lang="de-DE" sz="4600" dirty="0" smtClean="0"/>
-              <a:t>aus</a:t>
-            </a:r>
-          </a:p>
-          <a:p>
-            <a:r>
-              <a:rPr lang="de-DE" sz="4600" dirty="0"/>
-              <a:t>Innerhalb einer Frist von 14 </a:t>
-            </a:r>
-            <a:r>
-              <a:rPr lang="de-DE" sz="4600" dirty="0" smtClean="0"/>
-              <a:t>Tagen </a:t>
-            </a:r>
-            <a:r>
-              <a:rPr lang="de-DE" sz="4600" dirty="0"/>
-              <a:t>kann der Verbraucher den </a:t>
-            </a:r>
-            <a:r>
-              <a:rPr lang="de-DE" sz="4600" dirty="0" smtClean="0"/>
-              <a:t>Vertrag </a:t>
-            </a:r>
-            <a:r>
-              <a:rPr lang="de-DE" sz="4600" dirty="0"/>
-              <a:t>ohne Angabe von Gründen </a:t>
-            </a:r>
-            <a:r>
-              <a:rPr lang="de-DE" sz="4600" dirty="0" smtClean="0"/>
-              <a:t>widerrufen</a:t>
-            </a:r>
-          </a:p>
-          <a:p>
-            <a:r>
-              <a:rPr lang="de-DE" sz="4600" dirty="0" smtClean="0"/>
-              <a:t>Parteien sind </a:t>
-            </a:r>
-            <a:r>
-              <a:rPr lang="de-DE" sz="4600" dirty="0"/>
-              <a:t>verpflichtet empfangenen Leistungen </a:t>
-            </a:r>
-            <a:r>
-              <a:rPr lang="de-DE" sz="4600" dirty="0" smtClean="0"/>
-              <a:t>unverzüglich zurück zu </a:t>
-            </a:r>
-            <a:r>
-              <a:rPr lang="de-DE" sz="4600" dirty="0" err="1" smtClean="0"/>
-              <a:t>gewehren</a:t>
-            </a:r>
+          <a:p>
             <a:endParaRPr lang="de-DE" dirty="0"/>
           </a:p>
           <a:p>
             <a:endParaRPr lang="de-DE" dirty="0"/>
           </a:p>
           <a:p>
-            <a:endParaRPr lang="de-DE" dirty="0" smtClean="0"/>
-          </a:p>
-          <a:p>
-            <a:endParaRPr lang="de-DE" dirty="0"/>
-          </a:p>
-          <a:p>
             <a:pPr marL="0" indent="0">
               <a:buNone/>
             </a:pPr>
             <a:r>
-              <a:rPr lang="de-DE" dirty="0" smtClean="0"/>
+              <a:rPr lang="de-DE" dirty="0"/>
               <a:t> </a:t>
             </a:r>
-            <a:endParaRPr lang="de-DE" dirty="0"/>
           </a:p>
           <a:p>
             <a:endParaRPr lang="de-DE" dirty="0"/>
@@ -3251,6 +3176,14 @@
 <file path=ppt/slides/slide11.xml><?xml version="1.0" encoding="utf-8"?>
 <p:sld xmlns:a="http://schemas.openxmlformats.org/drawingml/2006/main" xmlns:r="http://schemas.openxmlformats.org/officeDocument/2006/relationships" xmlns:p="http://schemas.openxmlformats.org/presentationml/2006/main">
   <p:cSld>
+    <p:bg>
+      <p:bgPr>
+        <a:solidFill>
+          <a:schemeClr val="bg1"/>
+        </a:solidFill>
+        <a:effectLst/>
+      </p:bgPr>
+    </p:bg>
     <p:spTree>
       <p:nvGrpSpPr>
         <p:cNvPr id="1" name=""/>
@@ -3273,8 +3206,8 @@
         </p:nvSpPr>
         <p:spPr>
           <a:xfrm>
-            <a:off x="0" y="1513345"/>
-            <a:ext cx="11206065" cy="4524315"/>
+            <a:off x="971550" y="1513345"/>
+            <a:ext cx="10234515" cy="4324261"/>
           </a:xfrm>
           <a:prstGeom prst="rect">
             <a:avLst/>
@@ -3292,9 +3225,7 @@
               <a:buChar char="•"/>
             </a:pPr>
             <a:r>
-              <a:rPr lang="de-DE" sz="3200" dirty="0" smtClean="0">
-                <a:latin typeface="+mj-lt"/>
-              </a:rPr>
+              <a:rPr lang="de-DE" sz="2500" dirty="0"/>
               <a:t>Nach Zivilrechtlichen Regelungen liegt ein Vertragsschluss vor, wenn die Vertragspartner übereinstimmende Willenserklärungen abgegeben haben. </a:t>
             </a:r>
           </a:p>
@@ -3303,9 +3234,10 @@
               <a:buFont typeface="Arial" panose="020B0604020202020204" pitchFamily="34" charset="0"/>
               <a:buChar char="•"/>
             </a:pPr>
-            <a:endParaRPr lang="de-DE" sz="3200" dirty="0">
-              <a:latin typeface="+mj-lt"/>
-            </a:endParaRPr>
+            <a:r>
+              <a:rPr lang="de-DE" sz="2500" dirty="0"/>
+              <a:t>Die konkrete Abgrenzung zwischen Angebotsabgabe und –Annahme ist im Internethandel nicht immer klar ersichtlich. </a:t>
+            </a:r>
           </a:p>
           <a:p>
             <a:pPr marL="285750" indent="-285750">
@@ -3313,10 +3245,8 @@
               <a:buChar char="•"/>
             </a:pPr>
             <a:r>
-              <a:rPr lang="de-DE" sz="3200" dirty="0" smtClean="0">
-                <a:latin typeface="+mj-lt"/>
-              </a:rPr>
-              <a:t>Die konkrete Abgrenzung zwischen Angebotsabgabe und –Annahme ist im Internethandel nicht immer klar ersichtlich. </a:t>
+              <a:rPr lang="de-DE" sz="2500" dirty="0"/>
+              <a:t>Die Präsentation einer Waren in einem Onlineshop kann meistens nicht als Angebot gesehen werden. </a:t>
             </a:r>
           </a:p>
           <a:p>
@@ -3324,21 +3254,21 @@
               <a:buFont typeface="Arial" panose="020B0604020202020204" pitchFamily="34" charset="0"/>
               <a:buChar char="•"/>
             </a:pPr>
-            <a:endParaRPr lang="de-DE" sz="3200" dirty="0">
-              <a:latin typeface="+mj-lt"/>
-            </a:endParaRPr>
-          </a:p>
-          <a:p>
-            <a:pPr marL="285750" indent="-285750">
-              <a:buFont typeface="Arial" panose="020B0604020202020204" pitchFamily="34" charset="0"/>
-              <a:buChar char="•"/>
-            </a:pPr>
-            <a:r>
-              <a:rPr lang="de-DE" sz="3200" dirty="0" smtClean="0">
-                <a:latin typeface="+mj-lt"/>
-              </a:rPr>
-              <a:t>Die Präsentation einer Waren in einem Onlineshop kann meistens nicht als Angebot gesehen werden. </a:t>
-            </a:r>
+            <a:r>
+              <a:rPr lang="de-DE" sz="2500" dirty="0"/>
+              <a:t>Warenpräsentation gilt daher rechtlich als Einladung zur Abgabe eines Angebotes des Käufers. Wird nun per </a:t>
+            </a:r>
+            <a:r>
+              <a:rPr lang="de-DE" sz="2500" dirty="0" err="1"/>
+              <a:t>bsp.</a:t>
+            </a:r>
+            <a:r>
+              <a:rPr lang="de-DE" sz="2500" dirty="0"/>
+              <a:t>         E-Mail ein Angebot abgeschickt, kann der Händler entscheiden ob der Kaufvertrag zustande kommt. </a:t>
+            </a:r>
+          </a:p>
+          <a:p>
+            <a:endParaRPr lang="de-DE" sz="2500" dirty="0"/>
           </a:p>
         </p:txBody>
       </p:sp>
@@ -3350,8 +3280,8 @@
         </p:nvSpPr>
         <p:spPr>
           <a:xfrm>
-            <a:off x="0" y="0"/>
-            <a:ext cx="7352522" cy="646331"/>
+            <a:off x="971550" y="495300"/>
+            <a:ext cx="7352522" cy="769441"/>
           </a:xfrm>
           <a:prstGeom prst="rect">
             <a:avLst/>
@@ -3365,14 +3295,9 @@
           <a:lstStyle/>
           <a:p>
             <a:r>
-              <a:rPr lang="de-DE" sz="3600" u="sng" dirty="0" smtClean="0">
-                <a:latin typeface="+mj-lt"/>
-              </a:rPr>
+              <a:rPr lang="de-DE" sz="4400" dirty="0"/>
               <a:t>Kaufvertrag im Internethandel </a:t>
             </a:r>
-            <a:endParaRPr lang="de-DE" sz="3600" u="sng" dirty="0">
-              <a:latin typeface="+mj-lt"/>
-            </a:endParaRPr>
           </a:p>
         </p:txBody>
       </p:sp>
@@ -3386,19 +3311,20 @@
   <p:clrMapOvr>
     <a:masterClrMapping/>
   </p:clrMapOvr>
-  <p:timing>
-    <p:tnLst>
-      <p:par>
-        <p:cTn id="1" dur="indefinite" restart="never" nodeType="tmRoot"/>
-      </p:par>
-    </p:tnLst>
-  </p:timing>
 </p:sld>
 </file>
 
 <file path=ppt/slides/slide12.xml><?xml version="1.0" encoding="utf-8"?>
 <p:sld xmlns:a="http://schemas.openxmlformats.org/drawingml/2006/main" xmlns:r="http://schemas.openxmlformats.org/officeDocument/2006/relationships" xmlns:p="http://schemas.openxmlformats.org/presentationml/2006/main">
   <p:cSld>
+    <p:bg>
+      <p:bgPr>
+        <a:solidFill>
+          <a:schemeClr val="bg1"/>
+        </a:solidFill>
+        <a:effectLst/>
+      </p:bgPr>
+    </p:bg>
     <p:spTree>
       <p:nvGrpSpPr>
         <p:cNvPr id="1" name=""/>
@@ -3425,64 +3351,24 @@
         </p:nvSpPr>
         <p:spPr>
           <a:xfrm>
-            <a:off x="429208" y="643813"/>
-            <a:ext cx="9311951" cy="5159926"/>
+            <a:off x="953083" y="2105024"/>
+            <a:ext cx="9311951" cy="3670139"/>
           </a:xfrm>
         </p:spPr>
         <p:txBody>
           <a:bodyPr>
-            <a:normAutofit lnSpcReduction="10000"/>
+            <a:normAutofit/>
           </a:bodyPr>
           <a:lstStyle/>
           <a:p>
             <a:r>
-              <a:rPr lang="de-DE" dirty="0" smtClean="0">
-                <a:latin typeface="+mj-lt"/>
-              </a:rPr>
-              <a:t>Warenpräsentation gilt daher rechtlich als Einladung zur Abgabe eines Angebotes des Käufers. Wird nun per </a:t>
-            </a:r>
-            <a:r>
-              <a:rPr lang="de-DE" dirty="0" err="1" smtClean="0">
-                <a:latin typeface="+mj-lt"/>
-              </a:rPr>
-              <a:t>bsp.</a:t>
-            </a:r>
-            <a:r>
-              <a:rPr lang="de-DE" smtClean="0">
-                <a:latin typeface="+mj-lt"/>
-              </a:rPr>
-              <a:t>         E-Mail </a:t>
-            </a:r>
-            <a:r>
-              <a:rPr lang="de-DE" dirty="0" smtClean="0">
-                <a:latin typeface="+mj-lt"/>
-              </a:rPr>
-              <a:t>ein Angebot abgeschickt, kann der Händler entscheiden ob der Kaufvertrag zustande kommt. </a:t>
-            </a:r>
-          </a:p>
-          <a:p>
-            <a:endParaRPr lang="de-DE" dirty="0" smtClean="0">
-              <a:latin typeface="+mj-lt"/>
-            </a:endParaRPr>
-          </a:p>
-          <a:p>
-            <a:r>
-              <a:rPr lang="de-DE" dirty="0" smtClean="0">
-                <a:latin typeface="+mj-lt"/>
-              </a:rPr>
+              <a:rPr lang="de-DE" sz="2500" dirty="0"/>
               <a:t>Bestellt der Kunde allerdings direkt per PayPal oder Kreditkarte, kommt der Kaufvertrag direkt zustande.</a:t>
             </a:r>
           </a:p>
           <a:p>
-            <a:endParaRPr lang="de-DE" dirty="0" smtClean="0">
-              <a:latin typeface="+mj-lt"/>
-            </a:endParaRPr>
-          </a:p>
-          <a:p>
-            <a:r>
-              <a:rPr lang="de-DE" dirty="0" smtClean="0">
-                <a:latin typeface="+mj-lt"/>
-              </a:rPr>
+            <a:r>
+              <a:rPr lang="de-DE" sz="2500" dirty="0"/>
               <a:t>In diesem Falle spricht über eine „Erklärung unter Abwesenden“, welche per E-Mail, Briefsendung etc. passiert. Der Elektronische Briefkasten definiert bei dieser Willenserklärung den Machtbereich. </a:t>
             </a:r>
           </a:p>
@@ -3490,6 +3376,41 @@
             <a:endParaRPr lang="de-DE" dirty="0">
               <a:latin typeface="+mj-lt"/>
             </a:endParaRPr>
+          </a:p>
+        </p:txBody>
+      </p:sp>
+      <p:sp>
+        <p:nvSpPr>
+          <p:cNvPr id="4" name="Textfeld 3">
+            <a:extLst>
+              <a:ext uri="{FF2B5EF4-FFF2-40B4-BE49-F238E27FC236}">
+                <a16:creationId xmlns:a16="http://schemas.microsoft.com/office/drawing/2014/main" id="{F2009934-32B9-4565-922F-2CE38206F206}"/>
+              </a:ext>
+            </a:extLst>
+          </p:cNvPr>
+          <p:cNvSpPr txBox="1"/>
+          <p:nvPr/>
+        </p:nvSpPr>
+        <p:spPr>
+          <a:xfrm>
+            <a:off x="971550" y="495300"/>
+            <a:ext cx="7352522" cy="1446550"/>
+          </a:xfrm>
+          <a:prstGeom prst="rect">
+            <a:avLst/>
+          </a:prstGeom>
+          <a:noFill/>
+        </p:spPr>
+        <p:txBody>
+          <a:bodyPr wrap="square" rtlCol="0">
+            <a:spAutoFit/>
+          </a:bodyPr>
+          <a:lstStyle/>
+          <a:p>
+            <a:r>
+              <a:rPr lang="de-DE" sz="4400" dirty="0"/>
+              <a:t>Kaufvertrag im Internethandel (Forts.) </a:t>
+            </a:r>
           </a:p>
         </p:txBody>
       </p:sp>
@@ -3503,19 +3424,20 @@
   <p:clrMapOvr>
     <a:masterClrMapping/>
   </p:clrMapOvr>
-  <p:timing>
-    <p:tnLst>
-      <p:par>
-        <p:cTn id="1" dur="indefinite" restart="never" nodeType="tmRoot"/>
-      </p:par>
-    </p:tnLst>
-  </p:timing>
 </p:sld>
 </file>
 
 <file path=ppt/slides/slide13.xml><?xml version="1.0" encoding="utf-8"?>
 <p:sld xmlns:a="http://schemas.openxmlformats.org/drawingml/2006/main" xmlns:r="http://schemas.openxmlformats.org/officeDocument/2006/relationships" xmlns:p="http://schemas.openxmlformats.org/presentationml/2006/main">
   <p:cSld>
+    <p:bg>
+      <p:bgPr>
+        <a:solidFill>
+          <a:schemeClr val="bg1"/>
+        </a:solidFill>
+        <a:effectLst/>
+      </p:bgPr>
+    </p:bg>
     <p:spTree>
       <p:nvGrpSpPr>
         <p:cNvPr id="1" name=""/>
@@ -3546,10 +3468,9 @@
           <a:lstStyle/>
           <a:p>
             <a:r>
-              <a:rPr lang="de-DE" dirty="0" smtClean="0"/>
+              <a:rPr lang="de-DE" dirty="0"/>
               <a:t>Quellen</a:t>
             </a:r>
-            <a:endParaRPr lang="de-DE" dirty="0"/>
           </a:p>
         </p:txBody>
       </p:sp>
@@ -3569,33 +3490,21 @@
           <a:lstStyle/>
           <a:p>
             <a:r>
-              <a:rPr lang="de-DE" dirty="0" smtClean="0">
+              <a:rPr lang="de-DE" dirty="0">
                 <a:hlinkClick r:id="rId2"/>
               </a:rPr>
-              <a:t>https://</a:t>
-            </a:r>
-            <a:r>
-              <a:rPr lang="de-DE" dirty="0" smtClean="0">
-                <a:hlinkClick r:id="rId2"/>
-              </a:rPr>
-              <a:t>de.wikipedia.org/wiki/Elektronischer_Handel</a:t>
-            </a:r>
-            <a:endParaRPr lang="de-DE" dirty="0" smtClean="0"/>
+              <a:t>https://de.wikipedia.org/wiki/Elektronischer_Handel</a:t>
+            </a:r>
+            <a:endParaRPr lang="de-DE" dirty="0"/>
           </a:p>
           <a:p>
             <a:r>
               <a:rPr lang="de-DE" dirty="0">
                 <a:hlinkClick r:id="rId3"/>
               </a:rPr>
-              <a:t>https://</a:t>
-            </a:r>
-            <a:r>
-              <a:rPr lang="de-DE" dirty="0" smtClean="0">
-                <a:hlinkClick r:id="rId3"/>
-              </a:rPr>
-              <a:t>www.ihk-nuernberg.de/de/media/PDF/Publikationen/Recht-Steuern/merkblatt-rechtliche-grundlagen-des-e-commerce.pdf</a:t>
-            </a:r>
-            <a:endParaRPr lang="de-DE" dirty="0" smtClean="0"/>
+              <a:t>https://www.ihk-nuernberg.de/de/media/PDF/Publikationen/Recht-Steuern/merkblatt-rechtliche-grundlagen-des-e-commerce.pdf</a:t>
+            </a:r>
+            <a:endParaRPr lang="de-DE" dirty="0"/>
           </a:p>
           <a:p>
             <a:endParaRPr lang="de-DE" dirty="0"/>
@@ -3618,6 +3527,14 @@
 <file path=ppt/slides/slide2.xml><?xml version="1.0" encoding="utf-8"?>
 <p:sld xmlns:a="http://schemas.openxmlformats.org/drawingml/2006/main" xmlns:r="http://schemas.openxmlformats.org/officeDocument/2006/relationships" xmlns:p="http://schemas.openxmlformats.org/presentationml/2006/main">
   <p:cSld>
+    <p:bg>
+      <p:bgPr>
+        <a:solidFill>
+          <a:schemeClr val="bg1"/>
+        </a:solidFill>
+        <a:effectLst/>
+      </p:bgPr>
+    </p:bg>
     <p:spTree>
       <p:nvGrpSpPr>
         <p:cNvPr id="1" name=""/>
@@ -3648,10 +3565,9 @@
           <a:lstStyle/>
           <a:p>
             <a:r>
-              <a:rPr lang="de-DE" dirty="0" smtClean="0"/>
+              <a:rPr lang="de-DE" dirty="0"/>
               <a:t>Inhalt</a:t>
             </a:r>
-            <a:endParaRPr lang="de-DE" dirty="0"/>
           </a:p>
         </p:txBody>
       </p:sp>
@@ -3667,44 +3583,66 @@
         </p:nvSpPr>
         <p:spPr/>
         <p:txBody>
-          <a:bodyPr/>
-          <a:lstStyle/>
-          <a:p>
-            <a:r>
-              <a:rPr lang="de-DE" dirty="0" smtClean="0"/>
+          <a:bodyPr>
+            <a:normAutofit/>
+          </a:bodyPr>
+          <a:lstStyle/>
+          <a:p>
+            <a:r>
+              <a:rPr lang="de-DE" dirty="0"/>
               <a:t>Was ist das?</a:t>
             </a:r>
           </a:p>
           <a:p>
             <a:r>
-              <a:rPr lang="de-DE" dirty="0" smtClean="0"/>
+              <a:rPr lang="de-DE" dirty="0"/>
               <a:t>Vorteile</a:t>
             </a:r>
           </a:p>
           <a:p>
             <a:r>
-              <a:rPr lang="de-DE" dirty="0" smtClean="0"/>
+              <a:rPr lang="de-DE" dirty="0"/>
               <a:t>Nachteil</a:t>
             </a:r>
           </a:p>
           <a:p>
             <a:r>
-              <a:rPr lang="de-DE" dirty="0" smtClean="0"/>
+              <a:rPr lang="de-DE" dirty="0"/>
               <a:t>Kategorisierung nach Teilnehmer</a:t>
             </a:r>
           </a:p>
           <a:p>
             <a:r>
-              <a:rPr lang="de-DE" dirty="0" smtClean="0"/>
-              <a:t>Rechtliche Grundlage(Chris)</a:t>
-            </a:r>
-          </a:p>
-          <a:p>
-            <a:r>
-              <a:rPr lang="de-DE" dirty="0" smtClean="0"/>
-              <a:t>Kaufvertrag(Lukas)</a:t>
-            </a:r>
-            <a:endParaRPr lang="de-DE" dirty="0"/>
+              <a:rPr lang="de-DE" dirty="0"/>
+              <a:t>Rechtliche Grundlage</a:t>
+            </a:r>
+          </a:p>
+          <a:p>
+            <a:pPr lvl="1"/>
+            <a:r>
+              <a:rPr lang="de-DE" dirty="0"/>
+              <a:t>Pflichten Des Online-Anbieters</a:t>
+            </a:r>
+          </a:p>
+          <a:p>
+            <a:pPr lvl="1"/>
+            <a:r>
+              <a:rPr lang="de-DE" dirty="0"/>
+              <a:t>Impressumspflicht</a:t>
+            </a:r>
+          </a:p>
+          <a:p>
+            <a:pPr lvl="1"/>
+            <a:r>
+              <a:rPr lang="de-DE" dirty="0"/>
+              <a:t>Widerrufsrecht</a:t>
+            </a:r>
+          </a:p>
+          <a:p>
+            <a:r>
+              <a:rPr lang="de-DE" dirty="0"/>
+              <a:t>Kaufvertrag</a:t>
+            </a:r>
           </a:p>
         </p:txBody>
       </p:sp>
@@ -3724,6 +3662,14 @@
 <file path=ppt/slides/slide3.xml><?xml version="1.0" encoding="utf-8"?>
 <p:sld xmlns:a="http://schemas.openxmlformats.org/drawingml/2006/main" xmlns:r="http://schemas.openxmlformats.org/officeDocument/2006/relationships" xmlns:p="http://schemas.openxmlformats.org/presentationml/2006/main">
   <p:cSld>
+    <p:bg>
+      <p:bgPr>
+        <a:solidFill>
+          <a:schemeClr val="bg1"/>
+        </a:solidFill>
+        <a:effectLst/>
+      </p:bgPr>
+    </p:bg>
     <p:spTree>
       <p:nvGrpSpPr>
         <p:cNvPr id="1" name=""/>
@@ -3754,30 +3700,67 @@
           <a:lstStyle/>
           <a:p>
             <a:r>
-              <a:rPr lang="de-DE" dirty="0" smtClean="0"/>
+              <a:rPr lang="de-DE" dirty="0">
+                <a:latin typeface="+mn-lt"/>
+              </a:rPr>
               <a:t>Elektronischer Handel</a:t>
             </a:r>
             <a:br>
-              <a:rPr lang="de-DE" dirty="0" smtClean="0"/>
+              <a:rPr lang="de-DE" dirty="0">
+                <a:latin typeface="+mn-lt"/>
+              </a:rPr>
             </a:br>
             <a:r>
-              <a:rPr lang="de-DE" sz="3600" b="1" dirty="0" smtClean="0">
+              <a:rPr lang="de-DE" dirty="0">
+                <a:latin typeface="+mn-lt"/>
+              </a:rPr>
+              <a:t>Was</a:t>
+            </a:r>
+            <a:r>
+              <a:rPr lang="de-DE" sz="3600" b="1" dirty="0">
                 <a:ln w="6600">
                   <a:solidFill>
                     <a:schemeClr val="accent2"/>
                   </a:solidFill>
                   <a:prstDash val="solid"/>
                 </a:ln>
-                <a:solidFill>
-                  <a:srgbClr val="FFFFFF"/>
-                </a:solidFill>
                 <a:effectLst>
                   <a:outerShdw dist="38100" dir="2700000" algn="tl" rotWithShape="0">
                     <a:schemeClr val="accent2"/>
                   </a:outerShdw>
                 </a:effectLst>
+                <a:latin typeface="+mn-lt"/>
               </a:rPr>
-              <a:t>Was ist das?</a:t>
+              <a:t> </a:t>
+            </a:r>
+            <a:r>
+              <a:rPr lang="de-DE" dirty="0">
+                <a:latin typeface="+mn-lt"/>
+              </a:rPr>
+              <a:t>ist</a:t>
+            </a:r>
+            <a:r>
+              <a:rPr lang="de-DE" sz="3600" b="1" dirty="0">
+                <a:ln w="6600">
+                  <a:solidFill>
+                    <a:schemeClr val="accent2"/>
+                  </a:solidFill>
+                  <a:prstDash val="solid"/>
+                </a:ln>
+                <a:effectLst>
+                  <a:outerShdw dist="38100" dir="2700000" algn="tl" rotWithShape="0">
+                    <a:schemeClr val="accent2"/>
+                  </a:outerShdw>
+                </a:effectLst>
+                <a:latin typeface="+mn-lt"/>
+              </a:rPr>
+              <a:t> </a:t>
+            </a:r>
+            <a:r>
+              <a:rPr lang="de-DE" dirty="0">
+                <a:latin typeface="+mn-lt"/>
+              </a:rPr>
+              <a:t>das?</a:t>
             </a:r>
             <a:endParaRPr lang="de-DE" sz="3600" b="1" dirty="0">
               <a:ln w="6600">
@@ -3786,14 +3769,12 @@
                 </a:solidFill>
                 <a:prstDash val="solid"/>
               </a:ln>
-              <a:solidFill>
-                <a:srgbClr val="FFFFFF"/>
-              </a:solidFill>
               <a:effectLst>
                 <a:outerShdw dist="38100" dir="2700000" algn="tl" rotWithShape="0">
                   <a:schemeClr val="accent2"/>
                 </a:outerShdw>
               </a:effectLst>
+              <a:latin typeface="+mn-lt"/>
             </a:endParaRPr>
           </a:p>
         </p:txBody>
@@ -3814,22 +3795,21 @@
           <a:lstStyle/>
           <a:p>
             <a:r>
-              <a:rPr lang="de-DE" dirty="0" smtClean="0"/>
+              <a:rPr lang="de-DE" dirty="0"/>
               <a:t>auch Internethandel, Onlinehandel oder E-Commerce</a:t>
             </a:r>
           </a:p>
           <a:p>
             <a:r>
-              <a:rPr lang="de-DE" dirty="0" smtClean="0"/>
+              <a:rPr lang="de-DE" dirty="0"/>
               <a:t>bezeichnet Ein- und Verkaufsvorgänge mittels Internet</a:t>
             </a:r>
           </a:p>
           <a:p>
             <a:r>
-              <a:rPr lang="de-DE" dirty="0" smtClean="0"/>
+              <a:rPr lang="de-DE" dirty="0"/>
               <a:t>Geschäftsbeziehung zwischen Anbietern und Abnehmern werden über Datenübertragungen abgewickelt.</a:t>
             </a:r>
-            <a:endParaRPr lang="de-DE" dirty="0"/>
           </a:p>
         </p:txBody>
       </p:sp>
@@ -3849,6 +3829,14 @@
 <file path=ppt/slides/slide4.xml><?xml version="1.0" encoding="utf-8"?>
 <p:sld xmlns:a="http://schemas.openxmlformats.org/drawingml/2006/main" xmlns:r="http://schemas.openxmlformats.org/officeDocument/2006/relationships" xmlns:p="http://schemas.openxmlformats.org/presentationml/2006/main">
   <p:cSld>
+    <p:bg>
+      <p:bgPr>
+        <a:solidFill>
+          <a:schemeClr val="bg1"/>
+        </a:solidFill>
+        <a:effectLst/>
+      </p:bgPr>
+    </p:bg>
     <p:spTree>
       <p:nvGrpSpPr>
         <p:cNvPr id="1" name=""/>
@@ -3879,10 +3867,11 @@
           <a:lstStyle/>
           <a:p>
             <a:r>
-              <a:rPr lang="de-DE" dirty="0" smtClean="0"/>
+              <a:rPr lang="de-DE" dirty="0">
+                <a:latin typeface="+mn-lt"/>
+              </a:rPr>
               <a:t>Vorteile</a:t>
             </a:r>
-            <a:endParaRPr lang="de-DE" dirty="0"/>
           </a:p>
         </p:txBody>
       </p:sp>
@@ -3902,46 +3891,45 @@
           <a:lstStyle/>
           <a:p>
             <a:r>
-              <a:rPr lang="de-DE" dirty="0" smtClean="0"/>
+              <a:rPr lang="de-DE" dirty="0"/>
               <a:t>    Neue Kommunikation mit Kunden</a:t>
             </a:r>
           </a:p>
           <a:p>
             <a:r>
-              <a:rPr lang="de-DE" dirty="0" smtClean="0"/>
+              <a:rPr lang="de-DE" dirty="0"/>
               <a:t>    Steigerung der Lieferanten- und Kundenzufriedenheit</a:t>
             </a:r>
           </a:p>
           <a:p>
             <a:r>
-              <a:rPr lang="de-DE" dirty="0" smtClean="0"/>
+              <a:rPr lang="de-DE" dirty="0"/>
               <a:t>    Verbesserung des Firmenimages</a:t>
             </a:r>
           </a:p>
           <a:p>
             <a:r>
-              <a:rPr lang="de-DE" dirty="0" smtClean="0"/>
+              <a:rPr lang="de-DE" dirty="0"/>
               <a:t>    Erschließung neuer Vertriebskanäle</a:t>
             </a:r>
           </a:p>
           <a:p>
             <a:r>
-              <a:rPr lang="de-DE" dirty="0" smtClean="0"/>
+              <a:rPr lang="de-DE" dirty="0"/>
               <a:t>    Gewinnung von Neukunden</a:t>
             </a:r>
           </a:p>
           <a:p>
             <a:r>
-              <a:rPr lang="de-DE" dirty="0" smtClean="0"/>
+              <a:rPr lang="de-DE" dirty="0"/>
               <a:t>    Umsatzerhöhung</a:t>
             </a:r>
           </a:p>
           <a:p>
             <a:r>
-              <a:rPr lang="de-DE" dirty="0" smtClean="0"/>
+              <a:rPr lang="de-DE" dirty="0"/>
               <a:t>    Effizienzsteigerung</a:t>
             </a:r>
-            <a:endParaRPr lang="de-DE" dirty="0"/>
           </a:p>
         </p:txBody>
       </p:sp>
@@ -3961,6 +3949,14 @@
 <file path=ppt/slides/slide5.xml><?xml version="1.0" encoding="utf-8"?>
 <p:sld xmlns:a="http://schemas.openxmlformats.org/drawingml/2006/main" xmlns:r="http://schemas.openxmlformats.org/officeDocument/2006/relationships" xmlns:p="http://schemas.openxmlformats.org/presentationml/2006/main">
   <p:cSld>
+    <p:bg>
+      <p:bgPr>
+        <a:solidFill>
+          <a:schemeClr val="bg1"/>
+        </a:solidFill>
+        <a:effectLst/>
+      </p:bgPr>
+    </p:bg>
     <p:spTree>
       <p:nvGrpSpPr>
         <p:cNvPr id="1" name=""/>
@@ -3991,10 +3987,11 @@
           <a:lstStyle/>
           <a:p>
             <a:r>
-              <a:rPr lang="de-DE" dirty="0" smtClean="0"/>
+              <a:rPr lang="de-DE" dirty="0">
+                <a:latin typeface="+mn-lt"/>
+              </a:rPr>
               <a:t>Nachteile</a:t>
             </a:r>
-            <a:endParaRPr lang="de-DE" dirty="0"/>
           </a:p>
         </p:txBody>
       </p:sp>
@@ -4014,63 +4011,62 @@
           <a:lstStyle/>
           <a:p>
             <a:r>
-              <a:rPr lang="de-DE" dirty="0" smtClean="0"/>
+              <a:rPr lang="de-DE" dirty="0"/>
               <a:t>    Zusätzliche Absatz- und/oder Beschaffungsrisiken</a:t>
             </a:r>
           </a:p>
           <a:p>
             <a:r>
-              <a:rPr lang="de-DE" dirty="0" smtClean="0"/>
+              <a:rPr lang="de-DE" dirty="0"/>
               <a:t>    Sinkender Kundennutzen (bei Verzicht auf persönlichen Service)</a:t>
             </a:r>
           </a:p>
           <a:p>
             <a:r>
-              <a:rPr lang="de-DE" dirty="0" smtClean="0"/>
+              <a:rPr lang="de-DE" dirty="0"/>
               <a:t>    Sinkende Kundenzufriedenheit (Reaktanz-Reaktionen auf Anlegen</a:t>
             </a:r>
             <a:br>
-              <a:rPr lang="de-DE" dirty="0" smtClean="0"/>
+              <a:rPr lang="de-DE" dirty="0"/>
             </a:br>
             <a:r>
-              <a:rPr lang="de-DE" dirty="0" smtClean="0"/>
+              <a:rPr lang="de-DE" dirty="0"/>
               <a:t>    von Kundenprofilen)</a:t>
             </a:r>
           </a:p>
           <a:p>
             <a:r>
-              <a:rPr lang="de-DE" dirty="0" smtClean="0"/>
+              <a:rPr lang="de-DE" dirty="0"/>
               <a:t>    Erhöhte Risiken des Zahlungsverkehrs (Betrugsrisiko, wie zum</a:t>
             </a:r>
             <a:br>
-              <a:rPr lang="de-DE" dirty="0" smtClean="0"/>
+              <a:rPr lang="de-DE" dirty="0"/>
             </a:br>
             <a:r>
-              <a:rPr lang="de-DE" dirty="0" smtClean="0"/>
+              <a:rPr lang="de-DE" dirty="0"/>
               <a:t>    Beispiel bei </a:t>
             </a:r>
             <a:r>
-              <a:rPr lang="de-DE" dirty="0" err="1" smtClean="0"/>
+              <a:rPr lang="de-DE" dirty="0" err="1"/>
               <a:t>Fakeshops</a:t>
             </a:r>
             <a:r>
-              <a:rPr lang="de-DE" dirty="0" smtClean="0"/>
+              <a:rPr lang="de-DE" dirty="0"/>
               <a:t>)</a:t>
             </a:r>
           </a:p>
           <a:p>
             <a:r>
-              <a:rPr lang="de-DE" dirty="0" smtClean="0"/>
+              <a:rPr lang="de-DE" dirty="0"/>
               <a:t>    Aufbau und Pflege einer versandhandelstypischen Organisation</a:t>
             </a:r>
             <a:br>
-              <a:rPr lang="de-DE" dirty="0" smtClean="0"/>
+              <a:rPr lang="de-DE" dirty="0"/>
             </a:br>
             <a:r>
-              <a:rPr lang="de-DE" dirty="0" smtClean="0"/>
+              <a:rPr lang="de-DE" dirty="0"/>
               <a:t>    (Lagerhaltung, Debitorenkontrolle etc.)</a:t>
             </a:r>
-            <a:endParaRPr lang="de-DE" dirty="0"/>
           </a:p>
         </p:txBody>
       </p:sp>
@@ -4090,6 +4086,14 @@
 <file path=ppt/slides/slide6.xml><?xml version="1.0" encoding="utf-8"?>
 <p:sld xmlns:a="http://schemas.openxmlformats.org/drawingml/2006/main" xmlns:r="http://schemas.openxmlformats.org/officeDocument/2006/relationships" xmlns:p="http://schemas.openxmlformats.org/presentationml/2006/main">
   <p:cSld>
+    <p:bg>
+      <p:bgPr>
+        <a:solidFill>
+          <a:schemeClr val="bg1"/>
+        </a:solidFill>
+        <a:effectLst/>
+      </p:bgPr>
+    </p:bg>
     <p:spTree>
       <p:nvGrpSpPr>
         <p:cNvPr id="1" name=""/>
@@ -4120,10 +4124,11 @@
           <a:lstStyle/>
           <a:p>
             <a:r>
-              <a:rPr lang="de-DE" dirty="0" smtClean="0"/>
+              <a:rPr lang="de-DE" dirty="0">
+                <a:latin typeface="+mn-lt"/>
+              </a:rPr>
               <a:t>Elektronischer Handel nach Art der Teilnehmer</a:t>
             </a:r>
-            <a:endParaRPr lang="de-DE" dirty="0"/>
           </a:p>
         </p:txBody>
       </p:sp>
@@ -4146,7 +4151,7 @@
               <a:buNone/>
             </a:pPr>
             <a:r>
-              <a:rPr lang="de-DE" dirty="0" smtClean="0"/>
+              <a:rPr lang="de-DE" dirty="0"/>
               <a:t>Consumer C (Kunde, Verbraucher) </a:t>
             </a:r>
           </a:p>
@@ -4155,7 +4160,7 @@
               <a:buNone/>
             </a:pPr>
             <a:r>
-              <a:rPr lang="de-DE" dirty="0" smtClean="0"/>
+              <a:rPr lang="de-DE" dirty="0"/>
               <a:t>Business B (Unternehmen, Unternehmer) </a:t>
             </a:r>
           </a:p>
@@ -4164,7 +4169,7 @@
               <a:buNone/>
             </a:pPr>
             <a:r>
-              <a:rPr lang="de-DE" dirty="0" smtClean="0"/>
+              <a:rPr lang="de-DE" dirty="0"/>
               <a:t>Administration A (Regierung und öffentliche Verwaltung) </a:t>
             </a:r>
           </a:p>
@@ -4173,44 +4178,43 @@
               <a:buNone/>
             </a:pPr>
             <a:r>
-              <a:rPr lang="de-DE" dirty="0" smtClean="0"/>
+              <a:rPr lang="de-DE" dirty="0"/>
               <a:t>Werden je nach Teilnehmer kategorisiert</a:t>
             </a:r>
           </a:p>
           <a:p>
             <a:r>
-              <a:rPr lang="de-DE" dirty="0" smtClean="0"/>
+              <a:rPr lang="de-DE" dirty="0"/>
               <a:t>C2C -&gt; Consumer-</a:t>
             </a:r>
             <a:r>
-              <a:rPr lang="de-DE" dirty="0" err="1" smtClean="0"/>
+              <a:rPr lang="de-DE" dirty="0" err="1"/>
               <a:t>to</a:t>
             </a:r>
             <a:r>
-              <a:rPr lang="de-DE" dirty="0" smtClean="0"/>
+              <a:rPr lang="de-DE" dirty="0"/>
               <a:t>-Consumer | Auktionshandel </a:t>
             </a:r>
           </a:p>
           <a:p>
             <a:r>
-              <a:rPr lang="de-DE" dirty="0" smtClean="0"/>
+              <a:rPr lang="de-DE" dirty="0"/>
               <a:t>B2C -&gt; Business-to-Consumer | Online-Versandhandel</a:t>
             </a:r>
           </a:p>
           <a:p>
             <a:r>
-              <a:rPr lang="de-DE" dirty="0" smtClean="0"/>
+              <a:rPr lang="de-DE" dirty="0"/>
               <a:t>A2C: Administration-</a:t>
             </a:r>
             <a:r>
-              <a:rPr lang="de-DE" dirty="0" err="1" smtClean="0"/>
+              <a:rPr lang="de-DE" dirty="0" err="1"/>
               <a:t>to</a:t>
             </a:r>
             <a:r>
-              <a:rPr lang="de-DE" dirty="0" smtClean="0"/>
+              <a:rPr lang="de-DE" dirty="0"/>
               <a:t>-Consumer |E-Mail-Newsletter von Ministerien</a:t>
             </a:r>
-            <a:endParaRPr lang="de-DE" dirty="0"/>
           </a:p>
         </p:txBody>
       </p:sp>
@@ -4230,6 +4234,14 @@
 <file path=ppt/slides/slide7.xml><?xml version="1.0" encoding="utf-8"?>
 <p:sld xmlns:a="http://schemas.openxmlformats.org/drawingml/2006/main" xmlns:r="http://schemas.openxmlformats.org/officeDocument/2006/relationships" xmlns:p="http://schemas.openxmlformats.org/presentationml/2006/main">
   <p:cSld>
+    <p:bg>
+      <p:bgPr>
+        <a:solidFill>
+          <a:schemeClr val="bg1"/>
+        </a:solidFill>
+        <a:effectLst/>
+      </p:bgPr>
+    </p:bg>
     <p:spTree>
       <p:nvGrpSpPr>
         <p:cNvPr id="1" name=""/>
@@ -4260,130 +4272,86 @@
           <a:lstStyle/>
           <a:p>
             <a:r>
-              <a:rPr lang="de-DE" dirty="0" smtClean="0"/>
+              <a:rPr lang="de-DE" dirty="0">
+                <a:latin typeface="+mn-lt"/>
+              </a:rPr>
               <a:t>Rechtliche Grundlage</a:t>
             </a:r>
+          </a:p>
+        </p:txBody>
+      </p:sp>
+      <p:sp>
+        <p:nvSpPr>
+          <p:cNvPr id="3" name="Inhaltsplatzhalter 2"/>
+          <p:cNvSpPr>
+            <a:spLocks noGrp="1"/>
+          </p:cNvSpPr>
+          <p:nvPr>
+            <p:ph idx="1"/>
+          </p:nvPr>
+        </p:nvSpPr>
+        <p:spPr/>
+        <p:txBody>
+          <a:bodyPr/>
+          <a:lstStyle/>
+          <a:p>
+            <a:r>
+              <a:rPr lang="de-DE" dirty="0"/>
+              <a:t>Allgemeine Rechtsgrundlagen gelten uneingeschränkt</a:t>
+            </a:r>
+          </a:p>
+          <a:p>
+            <a:r>
+              <a:rPr lang="de-DE" dirty="0"/>
+              <a:t>Zusätzlich dazu gelten folgende Rechtsvorschriften:</a:t>
+            </a:r>
+          </a:p>
+          <a:p>
+            <a:pPr lvl="1"/>
+            <a:r>
+              <a:rPr lang="de-DE" dirty="0"/>
+              <a:t>das Telemediengesetz (TMG)</a:t>
+            </a:r>
+          </a:p>
+          <a:p>
+            <a:pPr lvl="1"/>
+            <a:r>
+              <a:rPr lang="de-DE" dirty="0"/>
+              <a:t>das E-Commerce- und Fernabsatzrecht des Bürgerlichen Gesetzbuchs</a:t>
+            </a:r>
+          </a:p>
+          <a:p>
+            <a:pPr lvl="1"/>
+            <a:r>
+              <a:rPr lang="de-DE" dirty="0"/>
+              <a:t>Art. 246 des Einführungsgesetzes zum Bürgerlichen Gesetzbuch</a:t>
+            </a:r>
+          </a:p>
+          <a:p>
+            <a:pPr lvl="1"/>
+            <a:r>
+              <a:rPr lang="de-DE" dirty="0"/>
+              <a:t>das Signaturgesetz </a:t>
+            </a:r>
+          </a:p>
+          <a:p>
+            <a:pPr lvl="1"/>
+            <a:r>
+              <a:rPr lang="de-DE" dirty="0"/>
+              <a:t>die </a:t>
+            </a:r>
+            <a:r>
+              <a:rPr lang="de-DE" dirty="0" err="1"/>
+              <a:t>Preisangabenverordnung</a:t>
+            </a:r>
             <a:endParaRPr lang="de-DE" dirty="0"/>
           </a:p>
-        </p:txBody>
-      </p:sp>
-      <p:sp>
-        <p:nvSpPr>
-          <p:cNvPr id="3" name="Inhaltsplatzhalter 2"/>
-          <p:cNvSpPr>
-            <a:spLocks noGrp="1"/>
-          </p:cNvSpPr>
-          <p:nvPr>
-            <p:ph idx="1"/>
-          </p:nvPr>
-        </p:nvSpPr>
-        <p:spPr/>
-        <p:txBody>
-          <a:bodyPr/>
-          <a:lstStyle/>
-          <a:p>
-            <a:r>
-              <a:rPr lang="de-DE" dirty="0" smtClean="0"/>
-              <a:t>Allgemeine Rechtsgrundlagen gelten uneingeschränkt</a:t>
-            </a:r>
-          </a:p>
-          <a:p>
-            <a:r>
-              <a:rPr lang="de-DE" dirty="0" err="1" smtClean="0"/>
-              <a:t>Zusätlich</a:t>
-            </a:r>
-            <a:r>
-              <a:rPr lang="de-DE" dirty="0" smtClean="0"/>
-              <a:t> dazu gelten folgende Rechtsvorschriften:</a:t>
-            </a:r>
-          </a:p>
           <a:p>
             <a:pPr lvl="1"/>
             <a:r>
               <a:rPr lang="de-DE" dirty="0"/>
-              <a:t>das </a:t>
-            </a:r>
-            <a:r>
-              <a:rPr lang="de-DE" dirty="0" smtClean="0"/>
-              <a:t>Telemediengesetz </a:t>
-            </a:r>
-            <a:r>
-              <a:rPr lang="de-DE" dirty="0"/>
-              <a:t>(TMG</a:t>
-            </a:r>
-            <a:r>
-              <a:rPr lang="de-DE" dirty="0" smtClean="0"/>
-              <a:t>)</a:t>
-            </a:r>
-          </a:p>
-          <a:p>
-            <a:pPr lvl="1"/>
-            <a:r>
-              <a:rPr lang="de-DE" dirty="0"/>
-              <a:t>das </a:t>
-            </a:r>
-            <a:r>
-              <a:rPr lang="de-DE" dirty="0" smtClean="0"/>
-              <a:t>E-Commerce- </a:t>
-            </a:r>
-            <a:r>
-              <a:rPr lang="de-DE" dirty="0"/>
-              <a:t>und </a:t>
-            </a:r>
-            <a:r>
-              <a:rPr lang="de-DE" dirty="0" smtClean="0"/>
-              <a:t>Fernabsatzrecht </a:t>
-            </a:r>
-            <a:r>
-              <a:rPr lang="de-DE" dirty="0"/>
-              <a:t>des Bürgerlichen </a:t>
-            </a:r>
-            <a:r>
-              <a:rPr lang="de-DE" dirty="0" smtClean="0"/>
-              <a:t>Gesetzbuchs</a:t>
-            </a:r>
-          </a:p>
-          <a:p>
-            <a:pPr lvl="1"/>
-            <a:r>
-              <a:rPr lang="de-DE" dirty="0"/>
-              <a:t>Art. 246 des Einführungsgesetzes zum Bürgerlichen </a:t>
-            </a:r>
-            <a:r>
-              <a:rPr lang="de-DE" dirty="0" smtClean="0"/>
-              <a:t>Gesetzbuch</a:t>
-            </a:r>
-          </a:p>
-          <a:p>
-            <a:pPr lvl="1"/>
-            <a:r>
-              <a:rPr lang="de-DE" dirty="0"/>
-              <a:t>d</a:t>
-            </a:r>
-            <a:r>
-              <a:rPr lang="de-DE" dirty="0" smtClean="0"/>
-              <a:t>as Signaturgesetz </a:t>
-            </a:r>
-          </a:p>
-          <a:p>
-            <a:pPr lvl="1"/>
-            <a:r>
-              <a:rPr lang="de-DE" dirty="0"/>
-              <a:t>die </a:t>
-            </a:r>
-            <a:r>
-              <a:rPr lang="de-DE" dirty="0" err="1" smtClean="0"/>
-              <a:t>Preisangabenverordnung</a:t>
-            </a:r>
-            <a:endParaRPr lang="de-DE" dirty="0"/>
-          </a:p>
-          <a:p>
-            <a:pPr lvl="1"/>
-            <a:r>
-              <a:rPr lang="de-DE" dirty="0" smtClean="0"/>
               <a:t>die Dienstleistungs-Informationspflichten-Verordnung</a:t>
             </a:r>
-            <a:endParaRPr lang="de-DE" dirty="0"/>
           </a:p>
           <a:p>
             <a:pPr lvl="1"/>
@@ -4401,7 +4369,7 @@
             <a:pPr marL="457200" lvl="1" indent="0">
               <a:buNone/>
             </a:pPr>
-            <a:endParaRPr lang="de-DE" dirty="0" smtClean="0"/>
+            <a:endParaRPr lang="de-DE" dirty="0"/>
           </a:p>
           <a:p>
             <a:endParaRPr lang="de-DE" dirty="0"/>
@@ -4424,6 +4392,14 @@
 <file path=ppt/slides/slide8.xml><?xml version="1.0" encoding="utf-8"?>
 <p:sld xmlns:a="http://schemas.openxmlformats.org/drawingml/2006/main" xmlns:r="http://schemas.openxmlformats.org/officeDocument/2006/relationships" xmlns:p="http://schemas.openxmlformats.org/presentationml/2006/main">
   <p:cSld>
+    <p:bg>
+      <p:bgPr>
+        <a:solidFill>
+          <a:schemeClr val="bg1"/>
+        </a:solidFill>
+        <a:effectLst/>
+      </p:bgPr>
+    </p:bg>
     <p:spTree>
       <p:nvGrpSpPr>
         <p:cNvPr id="1" name=""/>
@@ -4454,12 +4430,10 @@
           <a:lstStyle/>
           <a:p>
             <a:r>
-              <a:rPr lang="de-DE" dirty="0" smtClean="0"/>
-              <a:t>PFLICHTEN </a:t>
-            </a:r>
-            <a:r>
-              <a:rPr lang="de-DE" dirty="0"/>
-              <a:t>DES ONLINE-ANBIETERS </a:t>
+              <a:rPr lang="de-DE" dirty="0">
+                <a:latin typeface="+mn-lt"/>
+              </a:rPr>
+              <a:t>Pflichten Des Online-Anbieters </a:t>
             </a:r>
           </a:p>
         </p:txBody>
@@ -4486,36 +4460,20 @@
           <a:p>
             <a:r>
               <a:rPr lang="de-DE" dirty="0"/>
-              <a:t>b</a:t>
-            </a:r>
-            <a:r>
-              <a:rPr lang="de-DE" dirty="0" smtClean="0"/>
-              <a:t>estimmte Informationen müssen auf der Website deutlich sichtbar sein</a:t>
-            </a:r>
-          </a:p>
-          <a:p>
-            <a:r>
-              <a:rPr lang="de-DE" dirty="0"/>
-              <a:t>Dies gilt nicht nur für </a:t>
-            </a:r>
-            <a:r>
-              <a:rPr lang="de-DE" dirty="0" smtClean="0"/>
-              <a:t>Online-Shops</a:t>
-            </a:r>
-            <a:r>
-              <a:rPr lang="de-DE" dirty="0"/>
-              <a:t>, sondern sogar für sämtliche </a:t>
-            </a:r>
-            <a:r>
-              <a:rPr lang="de-DE" dirty="0" smtClean="0"/>
-              <a:t>geschäftsmäßigen Internetangebote</a:t>
+              <a:t>bestimmte Informationen müssen auf der Website deutlich sichtbar sein (siehe Impressumspflicht)</a:t>
+            </a:r>
+          </a:p>
+          <a:p>
+            <a:r>
+              <a:rPr lang="de-DE" dirty="0"/>
+              <a:t>Dies gilt nicht nur für Online-Shops, sondern sogar für sämtliche geschäftsmäßigen Internetangebote</a:t>
             </a:r>
           </a:p>
           <a:p>
             <a:endParaRPr lang="de-DE" dirty="0"/>
           </a:p>
           <a:p>
-            <a:endParaRPr lang="de-DE" dirty="0" smtClean="0"/>
+            <a:endParaRPr lang="de-DE" dirty="0"/>
           </a:p>
         </p:txBody>
       </p:sp>
@@ -4535,6 +4493,14 @@
 <file path=ppt/slides/slide9.xml><?xml version="1.0" encoding="utf-8"?>
 <p:sld xmlns:a="http://schemas.openxmlformats.org/drawingml/2006/main" xmlns:r="http://schemas.openxmlformats.org/officeDocument/2006/relationships" xmlns:p="http://schemas.openxmlformats.org/presentationml/2006/main">
   <p:cSld>
+    <p:bg>
+      <p:bgPr>
+        <a:solidFill>
+          <a:schemeClr val="bg1"/>
+        </a:solidFill>
+        <a:effectLst/>
+      </p:bgPr>
+    </p:bg>
     <p:spTree>
       <p:nvGrpSpPr>
         <p:cNvPr id="1" name=""/>
@@ -4567,10 +4533,11 @@
           <a:lstStyle/>
           <a:p>
             <a:r>
-              <a:rPr lang="de-DE" dirty="0" smtClean="0"/>
+              <a:rPr lang="de-DE" dirty="0">
+                <a:latin typeface="+mn-lt"/>
+              </a:rPr>
               <a:t>Impressumspflicht</a:t>
             </a:r>
-            <a:endParaRPr lang="de-DE" dirty="0"/>
           </a:p>
         </p:txBody>
       </p:sp>
@@ -4592,7 +4559,7 @@
           <a:lstStyle/>
           <a:p>
             <a:r>
-              <a:rPr lang="de-DE" dirty="0" smtClean="0"/>
+              <a:rPr lang="de-DE" dirty="0"/>
               <a:t>Anbieter muss folgende Informationen bereitstellen:</a:t>
             </a:r>
           </a:p>
@@ -4602,7 +4569,6 @@
               <a:rPr lang="de-DE" dirty="0"/>
               <a:t>Vor- und Zunamen des Anbieters </a:t>
             </a:r>
-            <a:endParaRPr lang="de-DE" dirty="0" smtClean="0"/>
           </a:p>
           <a:p>
             <a:pPr lvl="1"/>
@@ -4614,14 +4580,9 @@
           <a:p>
             <a:pPr lvl="1"/>
             <a:r>
-              <a:rPr lang="de-DE" dirty="0" smtClean="0"/>
-              <a:t>Rechtsform des </a:t>
-            </a:r>
-            <a:r>
-              <a:rPr lang="de-DE" dirty="0"/>
-              <a:t>Unternehmens </a:t>
-            </a:r>
-            <a:endParaRPr lang="de-DE" dirty="0" smtClean="0"/>
+              <a:rPr lang="de-DE" dirty="0"/>
+              <a:t>Rechtsform des Unternehmens </a:t>
+            </a:r>
           </a:p>
           <a:p>
             <a:pPr lvl="1"/>
@@ -4634,58 +4595,29 @@
             <a:pPr lvl="1"/>
             <a:r>
               <a:rPr lang="de-DE" dirty="0"/>
-              <a:t>Angaben zur zuständigen </a:t>
-            </a:r>
-            <a:r>
-              <a:rPr lang="de-DE" dirty="0" smtClean="0"/>
-              <a:t>Aufsichtsbehörde</a:t>
+              <a:t>Angaben zur zuständigen Aufsichtsbehörde</a:t>
             </a:r>
           </a:p>
           <a:p>
             <a:pPr lvl="1"/>
             <a:r>
               <a:rPr lang="de-DE" dirty="0"/>
-              <a:t>E-Mail-Adresse, Telefon- und </a:t>
-            </a:r>
-            <a:r>
-              <a:rPr lang="de-DE" dirty="0" smtClean="0"/>
-              <a:t>Faxnummer</a:t>
+              <a:t>E-Mail-Adresse, Telefon- und Faxnummer</a:t>
             </a:r>
           </a:p>
           <a:p>
             <a:pPr lvl="1"/>
             <a:r>
-              <a:rPr lang="de-DE" dirty="0" smtClean="0"/>
-              <a:t>Handelsregister</a:t>
-            </a:r>
-            <a:r>
-              <a:rPr lang="de-DE" dirty="0"/>
-              <a:t>, </a:t>
-            </a:r>
-            <a:r>
-              <a:rPr lang="de-DE" dirty="0" smtClean="0"/>
-              <a:t>Partnerschaftsregister</a:t>
-            </a:r>
-            <a:r>
-              <a:rPr lang="de-DE" dirty="0"/>
-              <a:t>, </a:t>
-            </a:r>
-            <a:r>
-              <a:rPr lang="de-DE" dirty="0" smtClean="0"/>
-              <a:t>Genossenschaftsregister oder Vereinsregister</a:t>
+              <a:rPr lang="de-DE" dirty="0"/>
+              <a:t>Handelsregister, Partnerschaftsregister, Genossenschaftsregister oder Vereinsregister</a:t>
             </a:r>
           </a:p>
           <a:p>
             <a:pPr lvl="1"/>
             <a:r>
               <a:rPr lang="de-DE" dirty="0"/>
-              <a:t>Angabe der </a:t>
-            </a:r>
-            <a:r>
-              <a:rPr lang="de-DE" dirty="0" smtClean="0"/>
-              <a:t>Wirtschaftsidentifikationsnummer</a:t>
-            </a:r>
-            <a:endParaRPr lang="de-DE" dirty="0"/>
+              <a:t>Angabe der Wirtschaftsidentifikationsnummer</a:t>
+            </a:r>
           </a:p>
           <a:p>
             <a:pPr lvl="1"/>
